--- a/03_PILOT_Framework of Analysis.pptx
+++ b/03_PILOT_Framework of Analysis.pptx
@@ -14243,8 +14243,8 @@
         </p:nvSpPr>
         <p:spPr>
           <a:xfrm>
-            <a:off x="106680" y="1449799"/>
-            <a:ext cx="2426970" cy="1754326"/>
+            <a:off x="106679" y="1449799"/>
+            <a:ext cx="2869785" cy="1754326"/>
           </a:xfrm>
           <a:prstGeom prst="rect">
             <a:avLst/>
@@ -14262,7 +14262,7 @@
             </a:pPr>
             <a:r>
               <a:rPr lang="en-US" altLang="ko-KR" dirty="0"/>
-              <a:t>Acq2mat</a:t>
+              <a:t>B2X_acq2mat</a:t>
             </a:r>
           </a:p>
           <a:p>
@@ -14272,7 +14272,7 @@
             </a:pPr>
             <a:r>
               <a:rPr lang="en-US" altLang="ko-KR" dirty="0"/>
-              <a:t>Using acq2mat.py</a:t>
+              <a:t>modifying acq2mat.py</a:t>
             </a:r>
           </a:p>
           <a:p>
@@ -14300,11 +14300,7 @@
           <a:p>
             <a:r>
               <a:rPr lang="en-US" altLang="ko-KR" dirty="0"/>
-              <a:t>- Using </a:t>
-            </a:r>
-            <a:r>
-              <a:rPr lang="en-US" altLang="ko-KR" dirty="0" err="1"/>
-              <a:t>loadfile.m</a:t>
+              <a:t>- load(filename)</a:t>
             </a:r>
             <a:endParaRPr lang="ko-KR" altLang="en-US" dirty="0"/>
           </a:p>
@@ -14815,7 +14811,7 @@
         <p:spPr>
           <a:xfrm>
             <a:off x="163285" y="877077"/>
-            <a:ext cx="7086601" cy="1477328"/>
+            <a:ext cx="7086601" cy="2585323"/>
           </a:xfrm>
           <a:prstGeom prst="rect">
             <a:avLst/>
@@ -14918,6 +14914,41 @@
             <a:r>
               <a:rPr lang="ko-KR" altLang="en-US" dirty="0"/>
               <a:t>을 나누어 줌</a:t>
+            </a:r>
+            <a:endParaRPr lang="en-US" altLang="ko-KR" dirty="0"/>
+          </a:p>
+          <a:p>
+            <a:pPr marL="285750" indent="-285750">
+              <a:buFontTx/>
+              <a:buChar char="-"/>
+            </a:pPr>
+            <a:endParaRPr lang="en-US" altLang="ko-KR" dirty="0"/>
+          </a:p>
+          <a:p>
+            <a:pPr marL="285750" indent="-285750">
+              <a:buFontTx/>
+              <a:buChar char="-"/>
+            </a:pPr>
+            <a:endParaRPr lang="en-US" altLang="ko-KR" dirty="0"/>
+          </a:p>
+          <a:p>
+            <a:r>
+              <a:rPr lang="en-US" altLang="ko-KR" dirty="0"/>
+              <a:t>6. Eye-blinking removal</a:t>
+            </a:r>
+          </a:p>
+          <a:p>
+            <a:pPr marL="285750" indent="-285750">
+              <a:buFontTx/>
+              <a:buChar char="-"/>
+            </a:pPr>
+            <a:r>
+              <a:rPr lang="ko-KR" altLang="en-US" dirty="0"/>
+              <a:t>참고</a:t>
+            </a:r>
+            <a:r>
+              <a:rPr lang="en-US" altLang="ko-KR" dirty="0"/>
+              <a:t>: EEGLAB ICA and EOG</a:t>
             </a:r>
           </a:p>
         </p:txBody>
